--- a/WpfAndMvvm.pptx
+++ b/WpfAndMvvm.pptx
@@ -5,10 +5,10 @@
     <p:sldMasterId id="2147483752" r:id="rId1"/>
   </p:sldMasterIdLst>
   <p:notesMasterIdLst>
-    <p:notesMasterId r:id="rId7"/>
+    <p:notesMasterId r:id="rId8"/>
   </p:notesMasterIdLst>
   <p:handoutMasterIdLst>
-    <p:handoutMasterId r:id="rId8"/>
+    <p:handoutMasterId r:id="rId9"/>
   </p:handoutMasterIdLst>
   <p:sldIdLst>
     <p:sldId id="452" r:id="rId2"/>
@@ -16,6 +16,7 @@
     <p:sldId id="439" r:id="rId4"/>
     <p:sldId id="437" r:id="rId5"/>
     <p:sldId id="453" r:id="rId6"/>
+    <p:sldId id="454" r:id="rId7"/>
   </p:sldIdLst>
   <p:sldSz cx="9144000" cy="6858000" type="screen4x3"/>
   <p:notesSz cx="7077075" cy="9383713"/>
@@ -974,6 +975,93 @@
               <a:rPr lang="en-US" smtClean="0"/>
               <a:pPr/>
               <a:t>4</a:t>
+            </a:fld>
+            <a:endParaRPr lang="en-US"/>
+          </a:p>
+        </p:txBody>
+      </p:sp>
+    </p:spTree>
+  </p:cSld>
+  <p:clrMapOvr>
+    <a:masterClrMapping/>
+  </p:clrMapOvr>
+</p:notes>
+</file>
+
+<file path=ppt/notesSlides/notesSlide3.xml><?xml version="1.0" encoding="utf-8"?>
+<p:notes xmlns:a="http://schemas.openxmlformats.org/drawingml/2006/main" xmlns:r="http://schemas.openxmlformats.org/officeDocument/2006/relationships" xmlns:p="http://schemas.openxmlformats.org/presentationml/2006/main">
+  <p:cSld>
+    <p:spTree>
+      <p:nvGrpSpPr>
+        <p:cNvPr id="1" name=""/>
+        <p:cNvGrpSpPr/>
+        <p:nvPr/>
+      </p:nvGrpSpPr>
+      <p:grpSpPr>
+        <a:xfrm>
+          <a:off x="0" y="0"/>
+          <a:ext cx="0" cy="0"/>
+          <a:chOff x="0" y="0"/>
+          <a:chExt cx="0" cy="0"/>
+        </a:xfrm>
+      </p:grpSpPr>
+      <p:sp>
+        <p:nvSpPr>
+          <p:cNvPr id="2" name="Slide Image Placeholder 1"/>
+          <p:cNvSpPr>
+            <a:spLocks noGrp="1" noRot="1" noChangeAspect="1"/>
+          </p:cNvSpPr>
+          <p:nvPr>
+            <p:ph type="sldImg"/>
+          </p:nvPr>
+        </p:nvSpPr>
+        <p:spPr>
+          <a:xfrm>
+            <a:off x="1193800" y="704850"/>
+            <a:ext cx="4689475" cy="3517900"/>
+          </a:xfrm>
+        </p:spPr>
+      </p:sp>
+      <p:sp>
+        <p:nvSpPr>
+          <p:cNvPr id="3" name="Notes Placeholder 2"/>
+          <p:cNvSpPr>
+            <a:spLocks noGrp="1"/>
+          </p:cNvSpPr>
+          <p:nvPr>
+            <p:ph type="body" idx="1"/>
+          </p:nvPr>
+        </p:nvSpPr>
+        <p:spPr/>
+        <p:txBody>
+          <a:bodyPr>
+            <a:normAutofit/>
+          </a:bodyPr>
+          <a:lstStyle/>
+          <a:p>
+            <a:endParaRPr lang="en-US"/>
+          </a:p>
+        </p:txBody>
+      </p:sp>
+      <p:sp>
+        <p:nvSpPr>
+          <p:cNvPr id="4" name="Slide Number Placeholder 3"/>
+          <p:cNvSpPr>
+            <a:spLocks noGrp="1"/>
+          </p:cNvSpPr>
+          <p:nvPr>
+            <p:ph type="sldNum" sz="quarter" idx="10"/>
+          </p:nvPr>
+        </p:nvSpPr>
+        <p:spPr/>
+        <p:txBody>
+          <a:bodyPr/>
+          <a:lstStyle/>
+          <a:p>
+            <a:fld id="{CE6BF98D-4CD4-46D1-865A-2058C54ACE9B}" type="slidenum">
+              <a:rPr lang="en-US" smtClean="0"/>
+              <a:pPr/>
+              <a:t>6</a:t>
             </a:fld>
             <a:endParaRPr lang="en-US"/>
           </a:p>
@@ -6154,7 +6242,7 @@
         <p:spPr/>
         <p:txBody>
           <a:bodyPr>
-            <a:normAutofit lnSpcReduction="10000"/>
+            <a:normAutofit fontScale="85000" lnSpcReduction="20000"/>
           </a:bodyPr>
           <a:lstStyle/>
           <a:p>
@@ -6176,7 +6264,26 @@
             <a:pPr lvl="1"/>
             <a:r>
               <a:rPr lang="en-US" dirty="0" smtClean="0"/>
-              <a:t>XAML-driven interface is kept separate from model</a:t>
+              <a:t>XAML-driven interface is kept separate from </a:t>
+            </a:r>
+            <a:r>
+              <a:rPr lang="en-US" dirty="0" smtClean="0"/>
+              <a:t>model</a:t>
+            </a:r>
+          </a:p>
+          <a:p>
+            <a:pPr lvl="1"/>
+            <a:r>
+              <a:rPr lang="en-US" dirty="0" smtClean="0"/>
+              <a:t>A LOT of boilerplate in </a:t>
+            </a:r>
+            <a:r>
+              <a:rPr lang="en-US" dirty="0" err="1" smtClean="0"/>
+              <a:t>WinForms</a:t>
+            </a:r>
+            <a:r>
+              <a:rPr lang="en-US" dirty="0" smtClean="0"/>
+              <a:t>/Java SWT</a:t>
             </a:r>
             <a:endParaRPr lang="en-US" dirty="0" smtClean="0"/>
           </a:p>
@@ -6254,8 +6361,19 @@
             <a:pPr lvl="1"/>
             <a:r>
               <a:rPr lang="en-US" dirty="0" smtClean="0"/>
-              <a:t>Application-wide theming (like CSS)</a:t>
-            </a:r>
+              <a:t>Application-wide theming (like CSS</a:t>
+            </a:r>
+            <a:r>
+              <a:rPr lang="en-US" dirty="0" smtClean="0"/>
+              <a:t>)</a:t>
+            </a:r>
+          </a:p>
+          <a:p>
+            <a:r>
+              <a:rPr lang="en-US" dirty="0" smtClean="0"/>
+              <a:t>For Web… knockout.js has many similarities</a:t>
+            </a:r>
+            <a:endParaRPr lang="en-US" dirty="0" smtClean="0"/>
           </a:p>
         </p:txBody>
       </p:sp>
@@ -6337,6 +6455,192 @@
       <p:transition spd="slow"/>
     </mc:Fallback>
   </mc:AlternateContent>
+  <p:timing>
+    <p:tnLst>
+      <p:par>
+        <p:cTn id="1" dur="indefinite" restart="never" nodeType="tmRoot"/>
+      </p:par>
+    </p:tnLst>
+  </p:timing>
+</p:sld>
+</file>
+
+<file path=ppt/slides/slide6.xml><?xml version="1.0" encoding="utf-8"?>
+<p:sld xmlns:a="http://schemas.openxmlformats.org/drawingml/2006/main" xmlns:r="http://schemas.openxmlformats.org/officeDocument/2006/relationships" xmlns:p="http://schemas.openxmlformats.org/presentationml/2006/main">
+  <p:cSld>
+    <p:spTree>
+      <p:nvGrpSpPr>
+        <p:cNvPr id="1" name=""/>
+        <p:cNvGrpSpPr/>
+        <p:nvPr/>
+      </p:nvGrpSpPr>
+      <p:grpSpPr>
+        <a:xfrm>
+          <a:off x="0" y="0"/>
+          <a:ext cx="0" cy="0"/>
+          <a:chOff x="0" y="0"/>
+          <a:chExt cx="0" cy="0"/>
+        </a:xfrm>
+      </p:grpSpPr>
+      <p:sp>
+        <p:nvSpPr>
+          <p:cNvPr id="2" name="Title 1"/>
+          <p:cNvSpPr>
+            <a:spLocks noGrp="1"/>
+          </p:cNvSpPr>
+          <p:nvPr>
+            <p:ph type="title"/>
+          </p:nvPr>
+        </p:nvSpPr>
+        <p:spPr/>
+        <p:txBody>
+          <a:bodyPr>
+            <a:normAutofit/>
+          </a:bodyPr>
+          <a:lstStyle/>
+          <a:p>
+            <a:r>
+              <a:rPr lang="en-US" dirty="0" smtClean="0"/>
+              <a:t>WPF features</a:t>
+            </a:r>
+            <a:endParaRPr lang="en-US" dirty="0"/>
+          </a:p>
+        </p:txBody>
+      </p:sp>
+      <p:sp>
+        <p:nvSpPr>
+          <p:cNvPr id="3" name="Content Placeholder 2"/>
+          <p:cNvSpPr>
+            <a:spLocks noGrp="1"/>
+          </p:cNvSpPr>
+          <p:nvPr>
+            <p:ph idx="1"/>
+          </p:nvPr>
+        </p:nvSpPr>
+        <p:spPr/>
+        <p:txBody>
+          <a:bodyPr>
+            <a:normAutofit/>
+          </a:bodyPr>
+          <a:lstStyle/>
+          <a:p>
+            <a:pPr lvl="0"/>
+            <a:r>
+              <a:rPr lang="en-US" dirty="0" smtClean="0"/>
+              <a:t>XAML User Interface</a:t>
+            </a:r>
+            <a:endParaRPr lang="en-US" dirty="0"/>
+          </a:p>
+          <a:p>
+            <a:pPr lvl="1"/>
+            <a:r>
+              <a:rPr lang="en-US" dirty="0" smtClean="0"/>
+              <a:t>&lt;Resources&gt; … &lt;Style&gt;…</a:t>
+            </a:r>
+          </a:p>
+          <a:p>
+            <a:pPr lvl="1"/>
+            <a:r>
+              <a:rPr lang="en-US" dirty="0" smtClean="0"/>
+              <a:t>Layouts &lt;Grid&gt;,&lt;</a:t>
+            </a:r>
+            <a:r>
+              <a:rPr lang="en-US" dirty="0" err="1" smtClean="0"/>
+              <a:t>StackPanel</a:t>
+            </a:r>
+            <a:r>
+              <a:rPr lang="en-US" dirty="0" smtClean="0"/>
+              <a:t>&gt;</a:t>
+            </a:r>
+          </a:p>
+          <a:p>
+            <a:pPr lvl="1"/>
+            <a:r>
+              <a:rPr lang="en-US" dirty="0" smtClean="0"/>
+              <a:t>Binding Specification</a:t>
+            </a:r>
+            <a:endParaRPr lang="en-US" dirty="0" smtClean="0"/>
+          </a:p>
+          <a:p>
+            <a:pPr lvl="1"/>
+            <a:r>
+              <a:rPr lang="en-US" dirty="0" err="1" smtClean="0"/>
+              <a:t>DataTemplate</a:t>
+            </a:r>
+            <a:r>
+              <a:rPr lang="en-US" dirty="0" smtClean="0"/>
+              <a:t> for </a:t>
+            </a:r>
+            <a:r>
+              <a:rPr lang="en-US" dirty="0" err="1" smtClean="0"/>
+              <a:t>ListBox</a:t>
+            </a:r>
+            <a:endParaRPr lang="en-US" dirty="0" smtClean="0"/>
+          </a:p>
+          <a:p>
+            <a:r>
+              <a:rPr lang="en-US" dirty="0" err="1" smtClean="0"/>
+              <a:t>IValueConverter</a:t>
+            </a:r>
+            <a:r>
+              <a:rPr lang="en-US" dirty="0" smtClean="0"/>
+              <a:t> – influence XAML with code</a:t>
+            </a:r>
+          </a:p>
+          <a:p>
+            <a:r>
+              <a:rPr lang="en-US" dirty="0" err="1" smtClean="0"/>
+              <a:t>ViewModel</a:t>
+            </a:r>
+            <a:endParaRPr lang="en-US" dirty="0" smtClean="0"/>
+          </a:p>
+          <a:p>
+            <a:pPr lvl="1"/>
+            <a:r>
+              <a:rPr lang="en-US" dirty="0" smtClean="0"/>
+              <a:t>Notification of Property Changes for UI Binding</a:t>
+            </a:r>
+          </a:p>
+          <a:p>
+            <a:pPr lvl="1"/>
+            <a:r>
+              <a:rPr lang="en-US" dirty="0" smtClean="0"/>
+              <a:t>Command Binding (</a:t>
+            </a:r>
+            <a:r>
+              <a:rPr lang="en-US" dirty="0" err="1" smtClean="0"/>
+              <a:t>RelayCommand</a:t>
+            </a:r>
+            <a:r>
+              <a:rPr lang="en-US" dirty="0" smtClean="0"/>
+              <a:t> with lambda expressions)</a:t>
+            </a:r>
+          </a:p>
+          <a:p>
+            <a:pPr marL="0" indent="0">
+              <a:buNone/>
+            </a:pPr>
+            <a:endParaRPr lang="en-US" dirty="0"/>
+          </a:p>
+          <a:p>
+            <a:r>
+              <a:rPr lang="en-US" dirty="0" smtClean="0"/>
+              <a:t>I thought you said code…</a:t>
+            </a:r>
+            <a:endParaRPr lang="en-US" dirty="0" smtClean="0"/>
+          </a:p>
+        </p:txBody>
+      </p:sp>
+    </p:spTree>
+    <p:extLst>
+      <p:ext uri="{BB962C8B-B14F-4D97-AF65-F5344CB8AC3E}">
+        <p14:creationId xmlns:p14="http://schemas.microsoft.com/office/powerpoint/2010/main" val="981746479"/>
+      </p:ext>
+    </p:extLst>
+  </p:cSld>
+  <p:clrMapOvr>
+    <a:masterClrMapping/>
+  </p:clrMapOvr>
   <p:timing>
     <p:tnLst>
       <p:par>

--- a/WpfAndMvvm.pptx
+++ b/WpfAndMvvm.pptx
@@ -6242,7 +6242,7 @@
         <p:spPr/>
         <p:txBody>
           <a:bodyPr>
-            <a:normAutofit fontScale="85000" lnSpcReduction="20000"/>
+            <a:normAutofit fontScale="92500" lnSpcReduction="20000"/>
           </a:bodyPr>
           <a:lstStyle/>
           <a:p>
@@ -6264,18 +6264,26 @@
             <a:pPr lvl="1"/>
             <a:r>
               <a:rPr lang="en-US" dirty="0" smtClean="0"/>
-              <a:t>XAML-driven interface is kept separate from </a:t>
-            </a:r>
-            <a:r>
-              <a:rPr lang="en-US" dirty="0" smtClean="0"/>
-              <a:t>model</a:t>
-            </a:r>
+              <a:t>XAML-driven interface is kept separate from model</a:t>
+            </a:r>
+          </a:p>
+          <a:p>
+            <a:pPr lvl="0"/>
+            <a:r>
+              <a:rPr lang="en-US" dirty="0" smtClean="0"/>
+              <a:t>Binding </a:t>
+            </a:r>
+            <a:endParaRPr lang="en-US" dirty="0" smtClean="0"/>
           </a:p>
           <a:p>
             <a:pPr lvl="1"/>
             <a:r>
               <a:rPr lang="en-US" dirty="0" smtClean="0"/>
-              <a:t>A LOT of boilerplate in </a:t>
+              <a:t>Eliminates a lot of boiler </a:t>
+            </a:r>
+            <a:r>
+              <a:rPr lang="en-US" dirty="0" smtClean="0"/>
+              <a:t>plate found in </a:t>
             </a:r>
             <a:r>
               <a:rPr lang="en-US" dirty="0" err="1" smtClean="0"/>
@@ -6283,30 +6291,21 @@
             </a:r>
             <a:r>
               <a:rPr lang="en-US" dirty="0" smtClean="0"/>
-              <a:t>/Java SWT</a:t>
+              <a:t>/Swing/SWT</a:t>
             </a:r>
             <a:endParaRPr lang="en-US" dirty="0" smtClean="0"/>
           </a:p>
           <a:p>
-            <a:pPr lvl="0"/>
-            <a:r>
-              <a:rPr lang="en-US" dirty="0" smtClean="0"/>
-              <a:t>Binding </a:t>
-            </a:r>
-          </a:p>
-          <a:p>
             <a:pPr lvl="1"/>
             <a:r>
               <a:rPr lang="en-US" dirty="0" smtClean="0"/>
-              <a:t>Eliminates a lot of boiler plate</a:t>
-            </a:r>
-          </a:p>
-          <a:p>
-            <a:pPr lvl="1"/>
-            <a:r>
-              <a:rPr lang="en-US" dirty="0" smtClean="0"/>
-              <a:t>Gives rise to MVVM pattern</a:t>
-            </a:r>
+              <a:t>Fits nicely with </a:t>
+            </a:r>
+            <a:r>
+              <a:rPr lang="en-US" smtClean="0"/>
+              <a:t>MVVM design pattern</a:t>
+            </a:r>
+            <a:endParaRPr lang="en-US" dirty="0" smtClean="0"/>
           </a:p>
           <a:p>
             <a:r>
@@ -6361,11 +6360,7 @@
             <a:pPr lvl="1"/>
             <a:r>
               <a:rPr lang="en-US" dirty="0" smtClean="0"/>
-              <a:t>Application-wide theming (like CSS</a:t>
-            </a:r>
-            <a:r>
-              <a:rPr lang="en-US" dirty="0" smtClean="0"/>
-              <a:t>)</a:t>
+              <a:t>Application-wide theming (like CSS)</a:t>
             </a:r>
           </a:p>
           <a:p>
@@ -6373,7 +6368,6 @@
               <a:rPr lang="en-US" dirty="0" smtClean="0"/>
               <a:t>For Web… knockout.js has many similarities</a:t>
             </a:r>
-            <a:endParaRPr lang="en-US" dirty="0" smtClean="0"/>
           </a:p>
         </p:txBody>
       </p:sp>
@@ -6559,7 +6553,6 @@
               <a:rPr lang="en-US" dirty="0" smtClean="0"/>
               <a:t>Binding Specification</a:t>
             </a:r>
-            <a:endParaRPr lang="en-US" dirty="0" smtClean="0"/>
           </a:p>
           <a:p>
             <a:pPr lvl="1"/>
@@ -6627,7 +6620,6 @@
               <a:rPr lang="en-US" dirty="0" smtClean="0"/>
               <a:t>I thought you said code…</a:t>
             </a:r>
-            <a:endParaRPr lang="en-US" dirty="0" smtClean="0"/>
           </a:p>
         </p:txBody>
       </p:sp>

--- a/WpfAndMvvm.pptx
+++ b/WpfAndMvvm.pptx
@@ -5,18 +5,16 @@
     <p:sldMasterId id="2147483752" r:id="rId1"/>
   </p:sldMasterIdLst>
   <p:notesMasterIdLst>
-    <p:notesMasterId r:id="rId8"/>
+    <p:notesMasterId r:id="rId6"/>
   </p:notesMasterIdLst>
   <p:handoutMasterIdLst>
-    <p:handoutMasterId r:id="rId9"/>
+    <p:handoutMasterId r:id="rId7"/>
   </p:handoutMasterIdLst>
   <p:sldIdLst>
-    <p:sldId id="452" r:id="rId2"/>
-    <p:sldId id="438" r:id="rId3"/>
-    <p:sldId id="439" r:id="rId4"/>
-    <p:sldId id="437" r:id="rId5"/>
-    <p:sldId id="453" r:id="rId6"/>
-    <p:sldId id="454" r:id="rId7"/>
+    <p:sldId id="439" r:id="rId2"/>
+    <p:sldId id="437" r:id="rId3"/>
+    <p:sldId id="453" r:id="rId4"/>
+    <p:sldId id="454" r:id="rId5"/>
   </p:sldIdLst>
   <p:sldSz cx="9144000" cy="6858000" type="screen4x3"/>
   <p:notesSz cx="7077075" cy="9383713"/>
@@ -242,7 +240,7 @@
                 <a:latin typeface="Georgia" pitchFamily="18" charset="0"/>
               </a:rPr>
               <a:pPr/>
-              <a:t>2/20/2013</a:t>
+              <a:t>2/22/2013</a:t>
             </a:fld>
             <a:endParaRPr lang="en-US" dirty="0">
               <a:latin typeface="Georgia" pitchFamily="18" charset="0"/>
@@ -844,56 +842,40 @@
         </p:nvSpPr>
         <p:spPr/>
         <p:txBody>
+          <a:bodyPr>
+            <a:normAutofit/>
+          </a:bodyPr>
+          <a:lstStyle/>
+          <a:p>
+            <a:endParaRPr lang="en-US"/>
+          </a:p>
+        </p:txBody>
+      </p:sp>
+      <p:sp>
+        <p:nvSpPr>
+          <p:cNvPr id="4" name="Slide Number Placeholder 3"/>
+          <p:cNvSpPr>
+            <a:spLocks noGrp="1"/>
+          </p:cNvSpPr>
+          <p:nvPr>
+            <p:ph type="sldNum" sz="quarter" idx="10"/>
+          </p:nvPr>
+        </p:nvSpPr>
+        <p:spPr/>
+        <p:txBody>
           <a:bodyPr/>
           <a:lstStyle/>
           <a:p>
-            <a:endParaRPr lang="en-US" dirty="0"/>
-          </a:p>
-        </p:txBody>
-      </p:sp>
-      <p:sp>
-        <p:nvSpPr>
-          <p:cNvPr id="4" name="Slide Number Placeholder 3"/>
-          <p:cNvSpPr>
-            <a:spLocks noGrp="1"/>
-          </p:cNvSpPr>
-          <p:nvPr>
-            <p:ph type="sldNum" sz="quarter" idx="10"/>
-          </p:nvPr>
-        </p:nvSpPr>
-        <p:spPr/>
-        <p:txBody>
-          <a:bodyPr/>
-          <a:lstStyle/>
-          <a:p>
-            <a:pPr>
-              <a:defRPr/>
-            </a:pPr>
-            <a:fld id="{9ADD79E8-1C46-41DD-9AB1-80C13743B776}" type="slidenum">
-              <a:rPr lang="en-US" smtClean="0">
-                <a:solidFill>
-                  <a:prstClr val="white"/>
-                </a:solidFill>
-              </a:rPr>
-              <a:pPr>
-                <a:defRPr/>
-              </a:pPr>
-              <a:t>1</a:t>
+            <a:fld id="{CE6BF98D-4CD4-46D1-865A-2058C54ACE9B}" type="slidenum">
+              <a:rPr lang="en-US" smtClean="0"/>
+              <a:pPr/>
+              <a:t>2</a:t>
             </a:fld>
-            <a:endParaRPr lang="en-US">
-              <a:solidFill>
-                <a:prstClr val="white"/>
-              </a:solidFill>
-            </a:endParaRPr>
+            <a:endParaRPr lang="en-US"/>
           </a:p>
         </p:txBody>
       </p:sp>
     </p:spTree>
-    <p:extLst>
-      <p:ext uri="{BB962C8B-B14F-4D97-AF65-F5344CB8AC3E}">
-        <p14:creationId xmlns:p14="http://schemas.microsoft.com/office/powerpoint/2010/main" val="3278512141"/>
-      </p:ext>
-    </p:extLst>
   </p:cSld>
   <p:clrMapOvr>
     <a:masterClrMapping/>
@@ -975,93 +957,6 @@
               <a:rPr lang="en-US" smtClean="0"/>
               <a:pPr/>
               <a:t>4</a:t>
-            </a:fld>
-            <a:endParaRPr lang="en-US"/>
-          </a:p>
-        </p:txBody>
-      </p:sp>
-    </p:spTree>
-  </p:cSld>
-  <p:clrMapOvr>
-    <a:masterClrMapping/>
-  </p:clrMapOvr>
-</p:notes>
-</file>
-
-<file path=ppt/notesSlides/notesSlide3.xml><?xml version="1.0" encoding="utf-8"?>
-<p:notes xmlns:a="http://schemas.openxmlformats.org/drawingml/2006/main" xmlns:r="http://schemas.openxmlformats.org/officeDocument/2006/relationships" xmlns:p="http://schemas.openxmlformats.org/presentationml/2006/main">
-  <p:cSld>
-    <p:spTree>
-      <p:nvGrpSpPr>
-        <p:cNvPr id="1" name=""/>
-        <p:cNvGrpSpPr/>
-        <p:nvPr/>
-      </p:nvGrpSpPr>
-      <p:grpSpPr>
-        <a:xfrm>
-          <a:off x="0" y="0"/>
-          <a:ext cx="0" cy="0"/>
-          <a:chOff x="0" y="0"/>
-          <a:chExt cx="0" cy="0"/>
-        </a:xfrm>
-      </p:grpSpPr>
-      <p:sp>
-        <p:nvSpPr>
-          <p:cNvPr id="2" name="Slide Image Placeholder 1"/>
-          <p:cNvSpPr>
-            <a:spLocks noGrp="1" noRot="1" noChangeAspect="1"/>
-          </p:cNvSpPr>
-          <p:nvPr>
-            <p:ph type="sldImg"/>
-          </p:nvPr>
-        </p:nvSpPr>
-        <p:spPr>
-          <a:xfrm>
-            <a:off x="1193800" y="704850"/>
-            <a:ext cx="4689475" cy="3517900"/>
-          </a:xfrm>
-        </p:spPr>
-      </p:sp>
-      <p:sp>
-        <p:nvSpPr>
-          <p:cNvPr id="3" name="Notes Placeholder 2"/>
-          <p:cNvSpPr>
-            <a:spLocks noGrp="1"/>
-          </p:cNvSpPr>
-          <p:nvPr>
-            <p:ph type="body" idx="1"/>
-          </p:nvPr>
-        </p:nvSpPr>
-        <p:spPr/>
-        <p:txBody>
-          <a:bodyPr>
-            <a:normAutofit/>
-          </a:bodyPr>
-          <a:lstStyle/>
-          <a:p>
-            <a:endParaRPr lang="en-US"/>
-          </a:p>
-        </p:txBody>
-      </p:sp>
-      <p:sp>
-        <p:nvSpPr>
-          <p:cNvPr id="4" name="Slide Number Placeholder 3"/>
-          <p:cNvSpPr>
-            <a:spLocks noGrp="1"/>
-          </p:cNvSpPr>
-          <p:nvPr>
-            <p:ph type="sldNum" sz="quarter" idx="10"/>
-          </p:nvPr>
-        </p:nvSpPr>
-        <p:spPr/>
-        <p:txBody>
-          <a:bodyPr/>
-          <a:lstStyle/>
-          <a:p>
-            <a:fld id="{CE6BF98D-4CD4-46D1-865A-2058C54ACE9B}" type="slidenum">
-              <a:rPr lang="en-US" smtClean="0"/>
-              <a:pPr/>
-              <a:t>6</a:t>
             </a:fld>
             <a:endParaRPr lang="en-US"/>
           </a:p>
@@ -5941,186 +5836,7 @@
 </file>
 
 <file path=ppt/slides/slide1.xml><?xml version="1.0" encoding="utf-8"?>
-<p:sld xmlns:a="http://schemas.openxmlformats.org/drawingml/2006/main" xmlns:r="http://schemas.openxmlformats.org/officeDocument/2006/relationships" xmlns:p="http://schemas.openxmlformats.org/presentationml/2006/main">
-  <p:cSld>
-    <p:spTree>
-      <p:nvGrpSpPr>
-        <p:cNvPr id="1" name=""/>
-        <p:cNvGrpSpPr/>
-        <p:nvPr/>
-      </p:nvGrpSpPr>
-      <p:grpSpPr>
-        <a:xfrm>
-          <a:off x="0" y="0"/>
-          <a:ext cx="0" cy="0"/>
-          <a:chOff x="0" y="0"/>
-          <a:chExt cx="0" cy="0"/>
-        </a:xfrm>
-      </p:grpSpPr>
-    </p:spTree>
-    <p:extLst>
-      <p:ext uri="{BB962C8B-B14F-4D97-AF65-F5344CB8AC3E}">
-        <p14:creationId xmlns:p14="http://schemas.microsoft.com/office/powerpoint/2010/main" val="4161982408"/>
-      </p:ext>
-    </p:extLst>
-  </p:cSld>
-  <p:clrMapOvr>
-    <a:masterClrMapping/>
-  </p:clrMapOvr>
-  <mc:AlternateContent xmlns:mc="http://schemas.openxmlformats.org/markup-compatibility/2006" xmlns:p14="http://schemas.microsoft.com/office/powerpoint/2010/main">
-    <mc:Choice Requires="p14">
-      <p:transition spd="med" p14:dur="700">
-        <p:fade/>
-      </p:transition>
-    </mc:Choice>
-    <mc:Fallback xmlns="">
-      <p:transition spd="med">
-        <p:fade/>
-      </p:transition>
-    </mc:Fallback>
-  </mc:AlternateContent>
-  <p:timing>
-    <p:tnLst>
-      <p:par>
-        <p:cTn id="1" dur="indefinite" restart="never" nodeType="tmRoot"/>
-      </p:par>
-    </p:tnLst>
-  </p:timing>
-</p:sld>
-</file>
-
-<file path=ppt/slides/slide2.xml><?xml version="1.0" encoding="utf-8"?>
-<p:sld xmlns:a="http://schemas.openxmlformats.org/drawingml/2006/main" xmlns:r="http://schemas.openxmlformats.org/officeDocument/2006/relationships" xmlns:p="http://schemas.openxmlformats.org/presentationml/2006/main">
-  <p:cSld>
-    <p:spTree>
-      <p:nvGrpSpPr>
-        <p:cNvPr id="1" name=""/>
-        <p:cNvGrpSpPr/>
-        <p:nvPr/>
-      </p:nvGrpSpPr>
-      <p:grpSpPr>
-        <a:xfrm>
-          <a:off x="0" y="0"/>
-          <a:ext cx="0" cy="0"/>
-          <a:chOff x="0" y="0"/>
-          <a:chExt cx="0" cy="0"/>
-        </a:xfrm>
-      </p:grpSpPr>
-      <p:sp>
-        <p:nvSpPr>
-          <p:cNvPr id="2" name="Title 1"/>
-          <p:cNvSpPr>
-            <a:spLocks noGrp="1"/>
-          </p:cNvSpPr>
-          <p:nvPr>
-            <p:ph type="ctrTitle"/>
-          </p:nvPr>
-        </p:nvSpPr>
-        <p:spPr/>
-        <p:txBody>
-          <a:bodyPr/>
-          <a:lstStyle/>
-          <a:p>
-            <a:r>
-              <a:rPr lang="en-US" dirty="0" smtClean="0"/>
-              <a:t>WPF Tech Talk</a:t>
-            </a:r>
-            <a:endParaRPr lang="en-US" dirty="0"/>
-          </a:p>
-        </p:txBody>
-      </p:sp>
-      <p:sp>
-        <p:nvSpPr>
-          <p:cNvPr id="3" name="Subtitle 2"/>
-          <p:cNvSpPr>
-            <a:spLocks noGrp="1"/>
-          </p:cNvSpPr>
-          <p:nvPr>
-            <p:ph type="subTitle" idx="1"/>
-          </p:nvPr>
-        </p:nvSpPr>
-        <p:spPr/>
-        <p:txBody>
-          <a:bodyPr/>
-          <a:lstStyle/>
-          <a:p>
-            <a:r>
-              <a:rPr lang="en-US" dirty="0" smtClean="0"/>
-              <a:t>Sheldon Warkentin</a:t>
-            </a:r>
-            <a:endParaRPr lang="en-US" dirty="0"/>
-          </a:p>
-        </p:txBody>
-      </p:sp>
-      <p:pic>
-        <p:nvPicPr>
-          <p:cNvPr id="5" name="Picture 4"/>
-          <p:cNvPicPr>
-            <a:picLocks noChangeAspect="1"/>
-          </p:cNvPicPr>
-          <p:nvPr/>
-        </p:nvPicPr>
-        <p:blipFill>
-          <a:blip r:embed="rId2" cstate="print">
-            <a:extLst>
-              <a:ext uri="{BEBA8EAE-BF5A-486C-A8C5-ECC9F3942E4B}">
-                <a14:imgProps xmlns:a14="http://schemas.microsoft.com/office/drawing/2010/main">
-                  <a14:imgLayer r:embed="rId3">
-                    <a14:imgEffect>
-                      <a14:sharpenSoften amount="25000"/>
-                    </a14:imgEffect>
-                  </a14:imgLayer>
-                </a14:imgProps>
-              </a:ext>
-              <a:ext uri="{28A0092B-C50C-407E-A947-70E740481C1C}">
-                <a14:useLocalDpi xmlns:a14="http://schemas.microsoft.com/office/drawing/2010/main" val="0"/>
-              </a:ext>
-            </a:extLst>
-          </a:blip>
-          <a:stretch>
-            <a:fillRect/>
-          </a:stretch>
-        </p:blipFill>
-        <p:spPr>
-          <a:xfrm>
-            <a:off x="6255657" y="5990252"/>
-            <a:ext cx="2526393" cy="536222"/>
-          </a:xfrm>
-          <a:prstGeom prst="rect">
-            <a:avLst/>
-          </a:prstGeom>
-        </p:spPr>
-      </p:pic>
-    </p:spTree>
-    <p:extLst>
-      <p:ext uri="{BB962C8B-B14F-4D97-AF65-F5344CB8AC3E}">
-        <p14:creationId xmlns:p14="http://schemas.microsoft.com/office/powerpoint/2010/main" val="4253884061"/>
-      </p:ext>
-    </p:extLst>
-  </p:cSld>
-  <p:clrMapOvr>
-    <a:masterClrMapping/>
-  </p:clrMapOvr>
-  <mc:AlternateContent xmlns:mc="http://schemas.openxmlformats.org/markup-compatibility/2006" xmlns:p14="http://schemas.microsoft.com/office/powerpoint/2010/main">
-    <mc:Choice Requires="p14">
-      <p:transition spd="slow" p14:dur="2000"/>
-    </mc:Choice>
-    <mc:Fallback xmlns="">
-      <p:transition spd="slow"/>
-    </mc:Fallback>
-  </mc:AlternateContent>
-  <p:timing>
-    <p:tnLst>
-      <p:par>
-        <p:cTn id="1" dur="indefinite" restart="never" nodeType="tmRoot"/>
-      </p:par>
-    </p:tnLst>
-  </p:timing>
-</p:sld>
-</file>
-
-<file path=ppt/slides/slide3.xml><?xml version="1.0" encoding="utf-8"?>
-<p:sld xmlns:a="http://schemas.openxmlformats.org/drawingml/2006/main" xmlns:r="http://schemas.openxmlformats.org/officeDocument/2006/relationships" xmlns:p="http://schemas.openxmlformats.org/presentationml/2006/main">
+<p:sld xmlns:a="http://schemas.openxmlformats.org/drawingml/2006/main" xmlns:r="http://schemas.openxmlformats.org/officeDocument/2006/relationships" xmlns:p="http://schemas.openxmlformats.org/presentationml/2006/main" showMasterSp="0">
   <p:cSld>
     <p:spTree>
       <p:nvGrpSpPr>
@@ -6187,8 +5903,8 @@
 </p:sld>
 </file>
 
-<file path=ppt/slides/slide4.xml><?xml version="1.0" encoding="utf-8"?>
-<p:sld xmlns:a="http://schemas.openxmlformats.org/drawingml/2006/main" xmlns:r="http://schemas.openxmlformats.org/officeDocument/2006/relationships" xmlns:p="http://schemas.openxmlformats.org/presentationml/2006/main">
+<file path=ppt/slides/slide2.xml><?xml version="1.0" encoding="utf-8"?>
+<p:sld xmlns:a="http://schemas.openxmlformats.org/drawingml/2006/main" xmlns:r="http://schemas.openxmlformats.org/officeDocument/2006/relationships" xmlns:p="http://schemas.openxmlformats.org/presentationml/2006/main" showMasterSp="0">
   <p:cSld>
     <p:spTree>
       <p:nvGrpSpPr>
@@ -6273,17 +5989,12 @@
               <a:rPr lang="en-US" dirty="0" smtClean="0"/>
               <a:t>Binding </a:t>
             </a:r>
-            <a:endParaRPr lang="en-US" dirty="0" smtClean="0"/>
           </a:p>
           <a:p>
             <a:pPr lvl="1"/>
             <a:r>
               <a:rPr lang="en-US" dirty="0" smtClean="0"/>
-              <a:t>Eliminates a lot of boiler </a:t>
-            </a:r>
-            <a:r>
-              <a:rPr lang="en-US" dirty="0" smtClean="0"/>
-              <a:t>plate found in </a:t>
+              <a:t>Eliminates a lot of boiler plate found in </a:t>
             </a:r>
             <a:r>
               <a:rPr lang="en-US" dirty="0" err="1" smtClean="0"/>
@@ -6293,7 +6004,6 @@
               <a:rPr lang="en-US" dirty="0" smtClean="0"/>
               <a:t>/Swing/SWT</a:t>
             </a:r>
-            <a:endParaRPr lang="en-US" dirty="0" smtClean="0"/>
           </a:p>
           <a:p>
             <a:pPr lvl="1"/>
@@ -6391,8 +6101,8 @@
 </p:sld>
 </file>
 
-<file path=ppt/slides/slide5.xml><?xml version="1.0" encoding="utf-8"?>
-<p:sld xmlns:a="http://schemas.openxmlformats.org/drawingml/2006/main" xmlns:r="http://schemas.openxmlformats.org/officeDocument/2006/relationships" xmlns:p="http://schemas.openxmlformats.org/presentationml/2006/main">
+<file path=ppt/slides/slide3.xml><?xml version="1.0" encoding="utf-8"?>
+<p:sld xmlns:a="http://schemas.openxmlformats.org/drawingml/2006/main" xmlns:r="http://schemas.openxmlformats.org/officeDocument/2006/relationships" xmlns:p="http://schemas.openxmlformats.org/presentationml/2006/main" showMasterSp="0">
   <p:cSld>
     <p:spTree>
       <p:nvGrpSpPr>
@@ -6459,8 +6169,8 @@
 </p:sld>
 </file>
 
-<file path=ppt/slides/slide6.xml><?xml version="1.0" encoding="utf-8"?>
-<p:sld xmlns:a="http://schemas.openxmlformats.org/drawingml/2006/main" xmlns:r="http://schemas.openxmlformats.org/officeDocument/2006/relationships" xmlns:p="http://schemas.openxmlformats.org/presentationml/2006/main">
+<file path=ppt/slides/slide4.xml><?xml version="1.0" encoding="utf-8"?>
+<p:sld xmlns:a="http://schemas.openxmlformats.org/drawingml/2006/main" xmlns:r="http://schemas.openxmlformats.org/officeDocument/2006/relationships" xmlns:p="http://schemas.openxmlformats.org/presentationml/2006/main" showMasterSp="0">
   <p:cSld>
     <p:spTree>
       <p:nvGrpSpPr>
